--- a/Grupo 404 – Not found.pptx
+++ b/Grupo 404 – Not found.pptx
@@ -9,6 +9,8 @@
     <p:sldId id="257" r:id="rId3"/>
     <p:sldId id="258" r:id="rId4"/>
     <p:sldId id="259" r:id="rId5"/>
+    <p:sldId id="261" r:id="rId6"/>
+    <p:sldId id="260" r:id="rId7"/>
   </p:sldIdLst>
   <p:sldSz cx="12192000" cy="6858000"/>
   <p:notesSz cx="6858000" cy="9144000"/>
@@ -248,7 +250,7 @@
           <a:p>
             <a:fld id="{924FFA61-F91A-4B88-9D13-296444B82A9B}" type="datetimeFigureOut">
               <a:rPr lang="es-AR" smtClean="0"/>
-              <a:t>24/10/2024</a:t>
+              <a:t>31/10/2024</a:t>
             </a:fld>
             <a:endParaRPr lang="es-AR"/>
           </a:p>
@@ -535,7 +537,7 @@
           <a:p>
             <a:fld id="{924FFA61-F91A-4B88-9D13-296444B82A9B}" type="datetimeFigureOut">
               <a:rPr lang="es-AR" smtClean="0"/>
-              <a:t>24/10/2024</a:t>
+              <a:t>31/10/2024</a:t>
             </a:fld>
             <a:endParaRPr lang="es-AR"/>
           </a:p>
@@ -727,7 +729,7 @@
           <a:p>
             <a:fld id="{924FFA61-F91A-4B88-9D13-296444B82A9B}" type="datetimeFigureOut">
               <a:rPr lang="es-AR" smtClean="0"/>
-              <a:t>24/10/2024</a:t>
+              <a:t>31/10/2024</a:t>
             </a:fld>
             <a:endParaRPr lang="es-AR"/>
           </a:p>
@@ -988,7 +990,7 @@
           <a:p>
             <a:fld id="{924FFA61-F91A-4B88-9D13-296444B82A9B}" type="datetimeFigureOut">
               <a:rPr lang="es-AR" smtClean="0"/>
-              <a:t>24/10/2024</a:t>
+              <a:t>31/10/2024</a:t>
             </a:fld>
             <a:endParaRPr lang="es-AR"/>
           </a:p>
@@ -1412,7 +1414,7 @@
           <a:p>
             <a:fld id="{924FFA61-F91A-4B88-9D13-296444B82A9B}" type="datetimeFigureOut">
               <a:rPr lang="es-AR" smtClean="0"/>
-              <a:t>24/10/2024</a:t>
+              <a:t>31/10/2024</a:t>
             </a:fld>
             <a:endParaRPr lang="es-AR"/>
           </a:p>
@@ -1958,7 +1960,7 @@
           <a:p>
             <a:fld id="{924FFA61-F91A-4B88-9D13-296444B82A9B}" type="datetimeFigureOut">
               <a:rPr lang="es-AR" smtClean="0"/>
-              <a:t>24/10/2024</a:t>
+              <a:t>31/10/2024</a:t>
             </a:fld>
             <a:endParaRPr lang="es-AR"/>
           </a:p>
@@ -2798,7 +2800,7 @@
           <a:p>
             <a:fld id="{924FFA61-F91A-4B88-9D13-296444B82A9B}" type="datetimeFigureOut">
               <a:rPr lang="es-AR" smtClean="0"/>
-              <a:t>24/10/2024</a:t>
+              <a:t>31/10/2024</a:t>
             </a:fld>
             <a:endParaRPr lang="es-AR"/>
           </a:p>
@@ -2968,7 +2970,7 @@
           <a:p>
             <a:fld id="{924FFA61-F91A-4B88-9D13-296444B82A9B}" type="datetimeFigureOut">
               <a:rPr lang="es-AR" smtClean="0"/>
-              <a:t>24/10/2024</a:t>
+              <a:t>31/10/2024</a:t>
             </a:fld>
             <a:endParaRPr lang="es-AR"/>
           </a:p>
@@ -3152,7 +3154,7 @@
           <a:p>
             <a:fld id="{924FFA61-F91A-4B88-9D13-296444B82A9B}" type="datetimeFigureOut">
               <a:rPr lang="es-AR" smtClean="0"/>
-              <a:t>24/10/2024</a:t>
+              <a:t>31/10/2024</a:t>
             </a:fld>
             <a:endParaRPr lang="es-AR"/>
           </a:p>
@@ -3322,7 +3324,7 @@
           <a:p>
             <a:fld id="{924FFA61-F91A-4B88-9D13-296444B82A9B}" type="datetimeFigureOut">
               <a:rPr lang="es-AR" smtClean="0"/>
-              <a:t>24/10/2024</a:t>
+              <a:t>31/10/2024</a:t>
             </a:fld>
             <a:endParaRPr lang="es-AR"/>
           </a:p>
@@ -3570,7 +3572,7 @@
           <a:p>
             <a:fld id="{924FFA61-F91A-4B88-9D13-296444B82A9B}" type="datetimeFigureOut">
               <a:rPr lang="es-AR" smtClean="0"/>
-              <a:t>24/10/2024</a:t>
+              <a:t>31/10/2024</a:t>
             </a:fld>
             <a:endParaRPr lang="es-AR"/>
           </a:p>
@@ -3807,7 +3809,7 @@
           <a:p>
             <a:fld id="{924FFA61-F91A-4B88-9D13-296444B82A9B}" type="datetimeFigureOut">
               <a:rPr lang="es-AR" smtClean="0"/>
-              <a:t>24/10/2024</a:t>
+              <a:t>31/10/2024</a:t>
             </a:fld>
             <a:endParaRPr lang="es-AR"/>
           </a:p>
@@ -4180,7 +4182,7 @@
           <a:p>
             <a:fld id="{924FFA61-F91A-4B88-9D13-296444B82A9B}" type="datetimeFigureOut">
               <a:rPr lang="es-AR" smtClean="0"/>
-              <a:t>24/10/2024</a:t>
+              <a:t>31/10/2024</a:t>
             </a:fld>
             <a:endParaRPr lang="es-AR"/>
           </a:p>
@@ -4298,7 +4300,7 @@
           <a:p>
             <a:fld id="{924FFA61-F91A-4B88-9D13-296444B82A9B}" type="datetimeFigureOut">
               <a:rPr lang="es-AR" smtClean="0"/>
-              <a:t>24/10/2024</a:t>
+              <a:t>31/10/2024</a:t>
             </a:fld>
             <a:endParaRPr lang="es-AR"/>
           </a:p>
@@ -4393,7 +4395,7 @@
           <a:p>
             <a:fld id="{924FFA61-F91A-4B88-9D13-296444B82A9B}" type="datetimeFigureOut">
               <a:rPr lang="es-AR" smtClean="0"/>
-              <a:t>24/10/2024</a:t>
+              <a:t>31/10/2024</a:t>
             </a:fld>
             <a:endParaRPr lang="es-AR"/>
           </a:p>
@@ -4644,7 +4646,7 @@
           <a:p>
             <a:fld id="{924FFA61-F91A-4B88-9D13-296444B82A9B}" type="datetimeFigureOut">
               <a:rPr lang="es-AR" smtClean="0"/>
-              <a:t>24/10/2024</a:t>
+              <a:t>31/10/2024</a:t>
             </a:fld>
             <a:endParaRPr lang="es-AR"/>
           </a:p>
@@ -4931,7 +4933,7 @@
           <a:p>
             <a:fld id="{924FFA61-F91A-4B88-9D13-296444B82A9B}" type="datetimeFigureOut">
               <a:rPr lang="es-AR" smtClean="0"/>
-              <a:t>24/10/2024</a:t>
+              <a:t>31/10/2024</a:t>
             </a:fld>
             <a:endParaRPr lang="es-AR"/>
           </a:p>
@@ -5144,7 +5146,7 @@
           <a:p>
             <a:fld id="{924FFA61-F91A-4B88-9D13-296444B82A9B}" type="datetimeFigureOut">
               <a:rPr lang="es-AR" smtClean="0"/>
-              <a:t>24/10/2024</a:t>
+              <a:t>31/10/2024</a:t>
             </a:fld>
             <a:endParaRPr lang="es-AR"/>
           </a:p>
@@ -5829,9 +5831,78 @@
           <a:chExt cx="0" cy="0"/>
         </a:xfrm>
       </p:grpSpPr>
+      <p:sp>
+        <p:nvSpPr>
+          <p:cNvPr id="11" name="CuadroTexto 10"/>
+          <p:cNvSpPr txBox="1"/>
+          <p:nvPr/>
+        </p:nvSpPr>
+        <p:spPr>
+          <a:xfrm>
+            <a:off x="3814763" y="419100"/>
+            <a:ext cx="4657725" cy="369332"/>
+          </a:xfrm>
+          <a:prstGeom prst="rect">
+            <a:avLst/>
+          </a:prstGeom>
+          <a:noFill/>
+        </p:spPr>
+        <p:txBody>
+          <a:bodyPr wrap="square" rtlCol="0">
+            <a:spAutoFit/>
+          </a:bodyPr>
+          <a:lstStyle/>
+          <a:p>
+            <a:pPr algn="ctr"/>
+            <a:r>
+              <a:rPr lang="es-MX" dirty="0" err="1" smtClean="0"/>
+              <a:t>Sprints</a:t>
+            </a:r>
+            <a:r>
+              <a:rPr lang="es-MX" dirty="0" smtClean="0"/>
+              <a:t> </a:t>
+            </a:r>
+            <a:r>
+              <a:rPr lang="es-MX" dirty="0" smtClean="0"/>
+              <a:t>y tareas asignadas</a:t>
+            </a:r>
+            <a:endParaRPr lang="es-AR" dirty="0"/>
+          </a:p>
+        </p:txBody>
+      </p:sp>
+      <p:sp>
+        <p:nvSpPr>
+          <p:cNvPr id="12" name="CuadroTexto 11"/>
+          <p:cNvSpPr txBox="1"/>
+          <p:nvPr/>
+        </p:nvSpPr>
+        <p:spPr>
+          <a:xfrm>
+            <a:off x="2345056" y="6024516"/>
+            <a:ext cx="7848600" cy="276999"/>
+          </a:xfrm>
+          <a:prstGeom prst="rect">
+            <a:avLst/>
+          </a:prstGeom>
+          <a:noFill/>
+        </p:spPr>
+        <p:txBody>
+          <a:bodyPr wrap="square" rtlCol="0">
+            <a:spAutoFit/>
+          </a:bodyPr>
+          <a:lstStyle/>
+          <a:p>
+            <a:r>
+              <a:rPr lang="es-MX" sz="1200" dirty="0" smtClean="0"/>
+              <a:t>Se soluciono el problema donde no se veía quien había completado que tarea en cada historia de usuario</a:t>
+            </a:r>
+            <a:endParaRPr lang="es-AR" sz="1200" dirty="0"/>
+          </a:p>
+        </p:txBody>
+      </p:sp>
       <p:pic>
         <p:nvPicPr>
-          <p:cNvPr id="10" name="Imagen 9"/>
+          <p:cNvPr id="2" name="Imagen 1"/>
           <p:cNvPicPr>
             <a:picLocks noChangeAspect="1"/>
           </p:cNvPicPr>
@@ -5845,74 +5916,14 @@
         </p:blipFill>
         <p:spPr>
           <a:xfrm>
-            <a:off x="2066926" y="925585"/>
-            <a:ext cx="8001000" cy="5005110"/>
+            <a:off x="2536588" y="788432"/>
+            <a:ext cx="7214076" cy="5143751"/>
           </a:xfrm>
           <a:prstGeom prst="rect">
             <a:avLst/>
           </a:prstGeom>
         </p:spPr>
       </p:pic>
-      <p:sp>
-        <p:nvSpPr>
-          <p:cNvPr id="11" name="CuadroTexto 10"/>
-          <p:cNvSpPr txBox="1"/>
-          <p:nvPr/>
-        </p:nvSpPr>
-        <p:spPr>
-          <a:xfrm>
-            <a:off x="4505325" y="419100"/>
-            <a:ext cx="4657725" cy="369332"/>
-          </a:xfrm>
-          <a:prstGeom prst="rect">
-            <a:avLst/>
-          </a:prstGeom>
-          <a:noFill/>
-        </p:spPr>
-        <p:txBody>
-          <a:bodyPr wrap="square" rtlCol="0">
-            <a:spAutoFit/>
-          </a:bodyPr>
-          <a:lstStyle/>
-          <a:p>
-            <a:r>
-              <a:rPr lang="es-MX" dirty="0" smtClean="0"/>
-              <a:t>BackLog y tareas asignadas</a:t>
-            </a:r>
-            <a:endParaRPr lang="es-AR" dirty="0"/>
-          </a:p>
-        </p:txBody>
-      </p:sp>
-      <p:sp>
-        <p:nvSpPr>
-          <p:cNvPr id="12" name="CuadroTexto 11"/>
-          <p:cNvSpPr txBox="1"/>
-          <p:nvPr/>
-        </p:nvSpPr>
-        <p:spPr>
-          <a:xfrm>
-            <a:off x="2219326" y="6067848"/>
-            <a:ext cx="7848600" cy="276999"/>
-          </a:xfrm>
-          <a:prstGeom prst="rect">
-            <a:avLst/>
-          </a:prstGeom>
-          <a:noFill/>
-        </p:spPr>
-        <p:txBody>
-          <a:bodyPr wrap="square" rtlCol="0">
-            <a:spAutoFit/>
-          </a:bodyPr>
-          <a:lstStyle/>
-          <a:p>
-            <a:r>
-              <a:rPr lang="es-MX" sz="1200" dirty="0" smtClean="0"/>
-              <a:t>Se soluciono el problema donde no se veía quien había completado que tarea en cada historia de usuario</a:t>
-            </a:r>
-            <a:endParaRPr lang="es-AR" sz="1200" dirty="0"/>
-          </a:p>
-        </p:txBody>
-      </p:sp>
     </p:spTree>
     <p:extLst>
       <p:ext uri="{BB962C8B-B14F-4D97-AF65-F5344CB8AC3E}">
@@ -5950,9 +5961,68 @@
           <a:chExt cx="0" cy="0"/>
         </a:xfrm>
       </p:grpSpPr>
+      <p:sp>
+        <p:nvSpPr>
+          <p:cNvPr id="6" name="CuadroTexto 5"/>
+          <p:cNvSpPr txBox="1"/>
+          <p:nvPr/>
+        </p:nvSpPr>
+        <p:spPr>
+          <a:xfrm>
+            <a:off x="838199" y="552450"/>
+            <a:ext cx="3486150" cy="369332"/>
+          </a:xfrm>
+          <a:prstGeom prst="rect">
+            <a:avLst/>
+          </a:prstGeom>
+          <a:noFill/>
+        </p:spPr>
+        <p:txBody>
+          <a:bodyPr wrap="square" rtlCol="0">
+            <a:spAutoFit/>
+          </a:bodyPr>
+          <a:lstStyle/>
+          <a:p>
+            <a:r>
+              <a:rPr lang="es-MX" dirty="0" smtClean="0"/>
+              <a:t>Back log con Sprint finalizados</a:t>
+            </a:r>
+          </a:p>
+        </p:txBody>
+      </p:sp>
+      <p:sp>
+        <p:nvSpPr>
+          <p:cNvPr id="7" name="CuadroTexto 6"/>
+          <p:cNvSpPr txBox="1"/>
+          <p:nvPr/>
+        </p:nvSpPr>
+        <p:spPr>
+          <a:xfrm>
+            <a:off x="838199" y="5636464"/>
+            <a:ext cx="6219825" cy="461665"/>
+          </a:xfrm>
+          <a:prstGeom prst="rect">
+            <a:avLst/>
+          </a:prstGeom>
+          <a:noFill/>
+        </p:spPr>
+        <p:txBody>
+          <a:bodyPr wrap="square" rtlCol="0">
+            <a:spAutoFit/>
+          </a:bodyPr>
+          <a:lstStyle/>
+          <a:p>
+            <a:r>
+              <a:rPr lang="es-MX" sz="1200" dirty="0" smtClean="0"/>
+              <a:t>Las historias de usuario se ubicaron en las posiciones correctas y se asignaron las tareas de cada una</a:t>
+            </a:r>
+            <a:endParaRPr lang="es-AR" sz="1200" dirty="0"/>
+          </a:p>
+        </p:txBody>
+      </p:sp>
       <p:pic>
         <p:nvPicPr>
-          <p:cNvPr id="5" name="Imagen 4"/>
+          <p:cNvPr id="2" name="Imagen 1"/>
           <p:cNvPicPr>
             <a:picLocks noChangeAspect="1"/>
           </p:cNvPicPr>
@@ -5966,78 +6036,38 @@
         </p:blipFill>
         <p:spPr>
           <a:xfrm>
-            <a:off x="838199" y="1111718"/>
-            <a:ext cx="10745927" cy="4318225"/>
+            <a:off x="838199" y="1363527"/>
+            <a:ext cx="10706629" cy="3831192"/>
           </a:xfrm>
           <a:prstGeom prst="rect">
             <a:avLst/>
           </a:prstGeom>
         </p:spPr>
       </p:pic>
-      <p:sp>
-        <p:nvSpPr>
-          <p:cNvPr id="6" name="CuadroTexto 5"/>
-          <p:cNvSpPr txBox="1"/>
+      <p:pic>
+        <p:nvPicPr>
+          <p:cNvPr id="3" name="Imagen 2"/>
+          <p:cNvPicPr>
+            <a:picLocks noChangeAspect="1"/>
+          </p:cNvPicPr>
           <p:nvPr/>
-        </p:nvSpPr>
-        <p:spPr>
-          <a:xfrm>
-            <a:off x="838199" y="552450"/>
-            <a:ext cx="3486150" cy="369332"/>
+        </p:nvPicPr>
+        <p:blipFill>
+          <a:blip r:embed="rId3"/>
+          <a:stretch>
+            <a:fillRect/>
+          </a:stretch>
+        </p:blipFill>
+        <p:spPr>
+          <a:xfrm>
+            <a:off x="838199" y="1363527"/>
+            <a:ext cx="1853219" cy="2145483"/>
           </a:xfrm>
           <a:prstGeom prst="rect">
             <a:avLst/>
           </a:prstGeom>
-          <a:noFill/>
-        </p:spPr>
-        <p:txBody>
-          <a:bodyPr wrap="square" rtlCol="0">
-            <a:spAutoFit/>
-          </a:bodyPr>
-          <a:lstStyle/>
-          <a:p>
-            <a:r>
-              <a:rPr lang="es-MX" dirty="0" smtClean="0"/>
-              <a:t>Los </a:t>
-            </a:r>
-            <a:r>
-              <a:rPr lang="es-MX" dirty="0" err="1" smtClean="0"/>
-              <a:t>Sprints</a:t>
-            </a:r>
-            <a:endParaRPr lang="es-AR" dirty="0"/>
-          </a:p>
-        </p:txBody>
-      </p:sp>
-      <p:sp>
-        <p:nvSpPr>
-          <p:cNvPr id="7" name="CuadroTexto 6"/>
-          <p:cNvSpPr txBox="1"/>
-          <p:nvPr/>
-        </p:nvSpPr>
-        <p:spPr>
-          <a:xfrm>
-            <a:off x="838199" y="5705475"/>
-            <a:ext cx="6219825" cy="276999"/>
-          </a:xfrm>
-          <a:prstGeom prst="rect">
-            <a:avLst/>
-          </a:prstGeom>
-          <a:noFill/>
-        </p:spPr>
-        <p:txBody>
-          <a:bodyPr wrap="square" rtlCol="0">
-            <a:spAutoFit/>
-          </a:bodyPr>
-          <a:lstStyle/>
-          <a:p>
-            <a:r>
-              <a:rPr lang="es-MX" sz="1200" dirty="0" smtClean="0"/>
-              <a:t>A pesar de seguir desordenados se entiende que tareas fueron completadas</a:t>
-            </a:r>
-            <a:endParaRPr lang="es-AR" sz="1200" dirty="0"/>
-          </a:p>
-        </p:txBody>
-      </p:sp>
+        </p:spPr>
+      </p:pic>
     </p:spTree>
     <p:extLst>
       <p:ext uri="{BB962C8B-B14F-4D97-AF65-F5344CB8AC3E}">
@@ -6177,8 +6207,8 @@
         </p:nvSpPr>
         <p:spPr>
           <a:xfrm>
-            <a:off x="3772335" y="5119436"/>
-            <a:ext cx="4619625" cy="307777"/>
+            <a:off x="2697481" y="5119436"/>
+            <a:ext cx="7498080" cy="307777"/>
           </a:xfrm>
           <a:prstGeom prst="rect">
             <a:avLst/>
@@ -6193,7 +6223,11 @@
           <a:p>
             <a:r>
               <a:rPr lang="es-MX" sz="1400" dirty="0" smtClean="0"/>
-              <a:t>Se pretende añadir una mejor interfaz en el futuro</a:t>
+              <a:t>Suponiendo la entrega de un 4to sprint e </a:t>
+            </a:r>
+            <a:r>
+              <a:rPr lang="es-MX" sz="1400" dirty="0" smtClean="0"/>
+              <a:t>pretende añadir una mejor interfaz en el futuro</a:t>
             </a:r>
             <a:endParaRPr lang="es-AR" sz="1400" dirty="0"/>
           </a:p>
@@ -6240,6 +6274,317 @@
       </p:par>
     </p:tnLst>
   </p:timing>
+</p:sld>
+</file>
+
+<file path=ppt/slides/slide5.xml><?xml version="1.0" encoding="utf-8"?>
+<p:sld xmlns:a="http://schemas.openxmlformats.org/drawingml/2006/main" xmlns:r="http://schemas.openxmlformats.org/officeDocument/2006/relationships" xmlns:p="http://schemas.openxmlformats.org/presentationml/2006/main">
+  <p:cSld>
+    <p:spTree>
+      <p:nvGrpSpPr>
+        <p:cNvPr id="1" name=""/>
+        <p:cNvGrpSpPr/>
+        <p:nvPr/>
+      </p:nvGrpSpPr>
+      <p:grpSpPr>
+        <a:xfrm>
+          <a:off x="0" y="0"/>
+          <a:ext cx="0" cy="0"/>
+          <a:chOff x="0" y="0"/>
+          <a:chExt cx="0" cy="0"/>
+        </a:xfrm>
+      </p:grpSpPr>
+      <p:sp>
+        <p:nvSpPr>
+          <p:cNvPr id="3" name="Marcador de contenido 2"/>
+          <p:cNvSpPr>
+            <a:spLocks noGrp="1"/>
+          </p:cNvSpPr>
+          <p:nvPr>
+            <p:ph idx="1"/>
+          </p:nvPr>
+        </p:nvSpPr>
+        <p:spPr>
+          <a:xfrm>
+            <a:off x="910659" y="553014"/>
+            <a:ext cx="10353762" cy="3695136"/>
+          </a:xfrm>
+        </p:spPr>
+        <p:txBody>
+          <a:bodyPr/>
+          <a:lstStyle/>
+          <a:p>
+            <a:pPr marL="0" indent="0" algn="ctr">
+              <a:buNone/>
+            </a:pPr>
+            <a:r>
+              <a:rPr lang="es-AR" dirty="0" smtClean="0"/>
+              <a:t>Prueba del historial</a:t>
+            </a:r>
+            <a:endParaRPr lang="es-AR" dirty="0"/>
+          </a:p>
+        </p:txBody>
+      </p:sp>
+      <p:pic>
+        <p:nvPicPr>
+          <p:cNvPr id="4" name="Imagen 3"/>
+          <p:cNvPicPr>
+            <a:picLocks noChangeAspect="1"/>
+          </p:cNvPicPr>
+          <p:nvPr/>
+        </p:nvPicPr>
+        <p:blipFill>
+          <a:blip r:embed="rId2"/>
+          <a:stretch>
+            <a:fillRect/>
+          </a:stretch>
+        </p:blipFill>
+        <p:spPr>
+          <a:xfrm>
+            <a:off x="613985" y="1638864"/>
+            <a:ext cx="5325218" cy="4439270"/>
+          </a:xfrm>
+          <a:prstGeom prst="rect">
+            <a:avLst/>
+          </a:prstGeom>
+        </p:spPr>
+      </p:pic>
+      <p:pic>
+        <p:nvPicPr>
+          <p:cNvPr id="5" name="Imagen 4"/>
+          <p:cNvPicPr>
+            <a:picLocks noChangeAspect="1"/>
+          </p:cNvPicPr>
+          <p:nvPr/>
+        </p:nvPicPr>
+        <p:blipFill>
+          <a:blip r:embed="rId3"/>
+          <a:stretch>
+            <a:fillRect/>
+          </a:stretch>
+        </p:blipFill>
+        <p:spPr>
+          <a:xfrm>
+            <a:off x="5939203" y="1638864"/>
+            <a:ext cx="5906242" cy="4439270"/>
+          </a:xfrm>
+          <a:prstGeom prst="rect">
+            <a:avLst/>
+          </a:prstGeom>
+        </p:spPr>
+      </p:pic>
+    </p:spTree>
+    <p:extLst>
+      <p:ext uri="{BB962C8B-B14F-4D97-AF65-F5344CB8AC3E}">
+        <p14:creationId xmlns:p14="http://schemas.microsoft.com/office/powerpoint/2010/main" val="3622561139"/>
+      </p:ext>
+    </p:extLst>
+  </p:cSld>
+  <p:clrMapOvr>
+    <a:masterClrMapping/>
+  </p:clrMapOvr>
+</p:sld>
+</file>
+
+<file path=ppt/slides/slide6.xml><?xml version="1.0" encoding="utf-8"?>
+<p:sld xmlns:a="http://schemas.openxmlformats.org/drawingml/2006/main" xmlns:r="http://schemas.openxmlformats.org/officeDocument/2006/relationships" xmlns:p="http://schemas.openxmlformats.org/presentationml/2006/main">
+  <p:cSld>
+    <p:spTree>
+      <p:nvGrpSpPr>
+        <p:cNvPr id="1" name=""/>
+        <p:cNvGrpSpPr/>
+        <p:nvPr/>
+      </p:nvGrpSpPr>
+      <p:grpSpPr>
+        <a:xfrm>
+          <a:off x="0" y="0"/>
+          <a:ext cx="0" cy="0"/>
+          <a:chOff x="0" y="0"/>
+          <a:chExt cx="0" cy="0"/>
+        </a:xfrm>
+      </p:grpSpPr>
+      <p:sp>
+        <p:nvSpPr>
+          <p:cNvPr id="3" name="Marcador de contenido 2"/>
+          <p:cNvSpPr>
+            <a:spLocks noGrp="1"/>
+          </p:cNvSpPr>
+          <p:nvPr>
+            <p:ph idx="1"/>
+          </p:nvPr>
+        </p:nvSpPr>
+        <p:spPr>
+          <a:xfrm>
+            <a:off x="913795" y="1478844"/>
+            <a:ext cx="10353762" cy="887166"/>
+          </a:xfrm>
+        </p:spPr>
+        <p:txBody>
+          <a:bodyPr>
+            <a:normAutofit/>
+          </a:bodyPr>
+          <a:lstStyle/>
+          <a:p>
+            <a:pPr marL="0" indent="0" algn="ctr">
+              <a:buNone/>
+            </a:pPr>
+            <a:r>
+              <a:rPr lang="es-AR" sz="1800" dirty="0" smtClean="0"/>
+              <a:t>Gracias a que la interfaz de la “aplicación” da la mayoría de las opciones como múltiple choice estos son los errores que se pueden generar de manera natural</a:t>
+            </a:r>
+            <a:endParaRPr lang="es-AR" sz="1800" dirty="0"/>
+          </a:p>
+        </p:txBody>
+      </p:sp>
+      <p:pic>
+        <p:nvPicPr>
+          <p:cNvPr id="4" name="Imagen 3"/>
+          <p:cNvPicPr>
+            <a:picLocks noChangeAspect="1"/>
+          </p:cNvPicPr>
+          <p:nvPr/>
+        </p:nvPicPr>
+        <p:blipFill>
+          <a:blip r:embed="rId2"/>
+          <a:stretch>
+            <a:fillRect/>
+          </a:stretch>
+        </p:blipFill>
+        <p:spPr>
+          <a:xfrm>
+            <a:off x="913794" y="2533712"/>
+            <a:ext cx="5217771" cy="1158178"/>
+          </a:xfrm>
+          <a:prstGeom prst="rect">
+            <a:avLst/>
+          </a:prstGeom>
+        </p:spPr>
+      </p:pic>
+      <p:pic>
+        <p:nvPicPr>
+          <p:cNvPr id="5" name="Imagen 4"/>
+          <p:cNvPicPr>
+            <a:picLocks noChangeAspect="1"/>
+          </p:cNvPicPr>
+          <p:nvPr/>
+        </p:nvPicPr>
+        <p:blipFill>
+          <a:blip r:embed="rId3"/>
+          <a:stretch>
+            <a:fillRect/>
+          </a:stretch>
+        </p:blipFill>
+        <p:spPr>
+          <a:xfrm>
+            <a:off x="6142004" y="2533712"/>
+            <a:ext cx="5125553" cy="1158178"/>
+          </a:xfrm>
+          <a:prstGeom prst="rect">
+            <a:avLst/>
+          </a:prstGeom>
+        </p:spPr>
+      </p:pic>
+      <p:sp>
+        <p:nvSpPr>
+          <p:cNvPr id="6" name="CuadroTexto 5"/>
+          <p:cNvSpPr txBox="1"/>
+          <p:nvPr/>
+        </p:nvSpPr>
+        <p:spPr>
+          <a:xfrm>
+            <a:off x="4650496" y="355761"/>
+            <a:ext cx="2880360" cy="954107"/>
+          </a:xfrm>
+          <a:prstGeom prst="rect">
+            <a:avLst/>
+          </a:prstGeom>
+          <a:noFill/>
+        </p:spPr>
+        <p:txBody>
+          <a:bodyPr wrap="square" rtlCol="0">
+            <a:spAutoFit/>
+          </a:bodyPr>
+          <a:lstStyle/>
+          <a:p>
+            <a:pPr algn="ctr"/>
+            <a:r>
+              <a:rPr lang="es-AR" sz="2800" dirty="0" smtClean="0"/>
+              <a:t>Los dos errores mas posibles </a:t>
+            </a:r>
+            <a:endParaRPr lang="es-AR" sz="2800" dirty="0"/>
+          </a:p>
+        </p:txBody>
+      </p:sp>
+      <p:sp>
+        <p:nvSpPr>
+          <p:cNvPr id="7" name="CuadroTexto 6"/>
+          <p:cNvSpPr txBox="1"/>
+          <p:nvPr/>
+        </p:nvSpPr>
+        <p:spPr>
+          <a:xfrm>
+            <a:off x="1223010" y="3859592"/>
+            <a:ext cx="4606290" cy="738664"/>
+          </a:xfrm>
+          <a:prstGeom prst="rect">
+            <a:avLst/>
+          </a:prstGeom>
+          <a:noFill/>
+        </p:spPr>
+        <p:txBody>
+          <a:bodyPr wrap="square" rtlCol="0">
+            <a:spAutoFit/>
+          </a:bodyPr>
+          <a:lstStyle/>
+          <a:p>
+            <a:r>
+              <a:rPr lang="es-AR" sz="1400" dirty="0" smtClean="0"/>
+              <a:t>Ocurre en caso de que se ingrese una ciudad inexistente o si solo se ingresan palabras sin sentido o números</a:t>
+            </a:r>
+            <a:endParaRPr lang="es-AR" sz="1400" dirty="0"/>
+          </a:p>
+        </p:txBody>
+      </p:sp>
+      <p:sp>
+        <p:nvSpPr>
+          <p:cNvPr id="8" name="CuadroTexto 7"/>
+          <p:cNvSpPr txBox="1"/>
+          <p:nvPr/>
+        </p:nvSpPr>
+        <p:spPr>
+          <a:xfrm>
+            <a:off x="6252210" y="3859592"/>
+            <a:ext cx="5120640" cy="738664"/>
+          </a:xfrm>
+          <a:prstGeom prst="rect">
+            <a:avLst/>
+          </a:prstGeom>
+          <a:noFill/>
+        </p:spPr>
+        <p:txBody>
+          <a:bodyPr wrap="square" rtlCol="0">
+            <a:spAutoFit/>
+          </a:bodyPr>
+          <a:lstStyle/>
+          <a:p>
+            <a:r>
+              <a:rPr lang="es-AR" sz="1400" dirty="0" smtClean="0"/>
+              <a:t>Ocurre cuando en la opción de pronostico se selecciona una fecha pasada o que todavía no se puede acceder debido a que esta muy por encima del rango del pronostico</a:t>
+            </a:r>
+            <a:endParaRPr lang="es-AR" sz="1400" dirty="0"/>
+          </a:p>
+        </p:txBody>
+      </p:sp>
+    </p:spTree>
+    <p:extLst>
+      <p:ext uri="{BB962C8B-B14F-4D97-AF65-F5344CB8AC3E}">
+        <p14:creationId xmlns:p14="http://schemas.microsoft.com/office/powerpoint/2010/main" val="2345369210"/>
+      </p:ext>
+    </p:extLst>
+  </p:cSld>
+  <p:clrMapOvr>
+    <a:masterClrMapping/>
+  </p:clrMapOvr>
 </p:sld>
 </file>
 
